--- a/slides/Discussion1_Redis.pptx
+++ b/slides/Discussion1_Redis.pptx
@@ -267,7 +267,7 @@
           <a:p>
             <a:fld id="{E1249EDF-C441-401E-BE19-3A9BC3A020D4}" type="datetimeFigureOut">
               <a:rPr lang="en-US" smtClean="0"/>
-              <a:t>1/15/2025</a:t>
+              <a:t>9/30/2025</a:t>
             </a:fld>
             <a:endParaRPr lang="en-US"/>
           </a:p>
@@ -445,7 +445,7 @@
           <a:p>
             <a:fld id="{EC53C71B-473E-4814-B444-77926C773EE5}" type="datetimeFigureOut">
               <a:rPr lang="en-US" smtClean="0"/>
-              <a:t>1/15/2025</a:t>
+              <a:t>9/30/2025</a:t>
             </a:fld>
             <a:endParaRPr lang="en-US"/>
           </a:p>
@@ -1051,7 +1051,7 @@
               <a:pPr>
                 <a:defRPr/>
               </a:pPr>
-              <a:t>Wednesday, January 15, 2025</a:t>
+              <a:t>Tuesday, September 30, 2025</a:t>
             </a:fld>
             <a:endParaRPr lang="en-US" dirty="0"/>
           </a:p>
@@ -1265,7 +1265,7 @@
               <a:pPr>
                 <a:defRPr/>
               </a:pPr>
-              <a:t>Wednesday, January 15, 2025</a:t>
+              <a:t>Tuesday, September 30, 2025</a:t>
             </a:fld>
             <a:endParaRPr lang="en-US" dirty="0"/>
           </a:p>
@@ -1680,7 +1680,7 @@
               <a:pPr>
                 <a:defRPr/>
               </a:pPr>
-              <a:t>Wednesday, January 15, 2025</a:t>
+              <a:t>Tuesday, September 30, 2025</a:t>
             </a:fld>
             <a:endParaRPr lang="en-US" dirty="0"/>
           </a:p>
@@ -2040,7 +2040,7 @@
               <a:pPr>
                 <a:defRPr/>
               </a:pPr>
-              <a:t>Wednesday, January 15, 2025</a:t>
+              <a:t>Tuesday, September 30, 2025</a:t>
             </a:fld>
             <a:endParaRPr lang="en-US" dirty="0"/>
           </a:p>
@@ -2318,7 +2318,7 @@
               <a:pPr>
                 <a:defRPr/>
               </a:pPr>
-              <a:t>Wednesday, January 15, 2025</a:t>
+              <a:t>Tuesday, September 30, 2025</a:t>
             </a:fld>
             <a:endParaRPr lang="en-US" dirty="0"/>
           </a:p>
@@ -2602,7 +2602,7 @@
               <a:pPr>
                 <a:defRPr/>
               </a:pPr>
-              <a:t>Wednesday, January 15, 2025</a:t>
+              <a:t>Tuesday, September 30, 2025</a:t>
             </a:fld>
             <a:endParaRPr lang="en-US" dirty="0"/>
           </a:p>
@@ -3155,7 +3155,7 @@
               <a:pPr>
                 <a:defRPr/>
               </a:pPr>
-              <a:t>Wednesday, January 15, 2025</a:t>
+              <a:t>Tuesday, September 30, 2025</a:t>
             </a:fld>
             <a:endParaRPr lang="en-US" dirty="0"/>
           </a:p>
@@ -4078,7 +4078,15 @@
           <a:p>
             <a:r>
               <a:rPr lang="en-US" dirty="0"/>
-              <a:t>Needs Ubuntu on Windows (WSL)</a:t>
+              <a:t>Needs Linux/mac </a:t>
+            </a:r>
+            <a:r>
+              <a:rPr lang="en-US"/>
+              <a:t>or Ubuntu on </a:t>
+            </a:r>
+            <a:r>
+              <a:rPr lang="en-US" dirty="0"/>
+              <a:t>Windows (WSL)</a:t>
             </a:r>
           </a:p>
           <a:p>

--- a/slides/Discussion1_Redis.pptx
+++ b/slides/Discussion1_Redis.pptx
@@ -4078,15 +4078,7 @@
           <a:p>
             <a:r>
               <a:rPr lang="en-US" dirty="0"/>
-              <a:t>Needs Linux/mac </a:t>
-            </a:r>
-            <a:r>
-              <a:rPr lang="en-US"/>
-              <a:t>or Ubuntu on </a:t>
-            </a:r>
-            <a:r>
-              <a:rPr lang="en-US" dirty="0"/>
-              <a:t>Windows (WSL)</a:t>
+              <a:t>Needs Linux/mac or Ubuntu on Windows (WSL)</a:t>
             </a:r>
           </a:p>
           <a:p>
@@ -4119,7 +4111,22 @@
               <a:rPr lang="en-US" dirty="0">
                 <a:latin typeface="Consolas" panose="020B0609020204030204" pitchFamily="49" charset="0"/>
               </a:rPr>
-              <a:t>-server start</a:t>
+              <a:t>-server start (OR)</a:t>
+            </a:r>
+          </a:p>
+          <a:p>
+            <a:pPr lvl="1"/>
+            <a:r>
+              <a:rPr lang="en-US" dirty="0" err="1">
+                <a:latin typeface="Consolas" panose="020B0609020204030204" pitchFamily="49" charset="0"/>
+              </a:rPr>
+              <a:t>redis</a:t>
+            </a:r>
+            <a:r>
+              <a:rPr lang="en-US" dirty="0">
+                <a:latin typeface="Consolas" panose="020B0609020204030204" pitchFamily="49" charset="0"/>
+              </a:rPr>
+              <a:t>-server</a:t>
             </a:r>
           </a:p>
           <a:p>
@@ -4556,7 +4563,7 @@
         <p:spPr/>
         <p:txBody>
           <a:bodyPr>
-            <a:normAutofit fontScale="92500" lnSpcReduction="20000"/>
+            <a:normAutofit lnSpcReduction="10000"/>
           </a:bodyPr>
           <a:lstStyle/>
           <a:p>
@@ -4640,12 +4647,6 @@
               <a:t>https://redis.io/docs/latest/commands/</a:t>
             </a:r>
             <a:endParaRPr lang="en-US" dirty="0"/>
-          </a:p>
-          <a:p>
-            <a:r>
-              <a:rPr lang="en-US" b="1" dirty="0"/>
-              <a:t>[DEMO]</a:t>
-            </a:r>
           </a:p>
           <a:p>
             <a:endParaRPr lang="en-US" dirty="0"/>
@@ -4798,13 +4799,8 @@
                 <a:latin typeface="Helvetica" panose="020B0604020202020204" pitchFamily="34" charset="0"/>
                 <a:cs typeface="Helvetica" panose="020B0604020202020204" pitchFamily="34" charset="0"/>
               </a:rPr>
-              <a:t>[DEMO]</a:t>
-            </a:r>
-          </a:p>
-          <a:p>
-            <a:pPr marL="0" indent="0">
-              <a:buNone/>
-            </a:pPr>
+              <a:t>Demo: https://github.com/davsec-teaching/jedis-demo</a:t>
+            </a:r>
             <a:endParaRPr lang="en-US" dirty="0"/>
           </a:p>
           <a:p>

--- a/slides/Discussion1_Redis.pptx
+++ b/slides/Discussion1_Redis.pptx
@@ -5,19 +5,22 @@
     <p:sldMasterId id="2147483687" r:id="rId1"/>
   </p:sldMasterIdLst>
   <p:notesMasterIdLst>
-    <p:notesMasterId r:id="rId9"/>
+    <p:notesMasterId r:id="rId12"/>
   </p:notesMasterIdLst>
   <p:handoutMasterIdLst>
-    <p:handoutMasterId r:id="rId10"/>
+    <p:handoutMasterId r:id="rId13"/>
   </p:handoutMasterIdLst>
   <p:sldIdLst>
     <p:sldId id="256" r:id="rId2"/>
-    <p:sldId id="257" r:id="rId3"/>
-    <p:sldId id="258" r:id="rId4"/>
-    <p:sldId id="259" r:id="rId5"/>
-    <p:sldId id="261" r:id="rId6"/>
-    <p:sldId id="260" r:id="rId7"/>
-    <p:sldId id="262" r:id="rId8"/>
+    <p:sldId id="264" r:id="rId3"/>
+    <p:sldId id="265" r:id="rId4"/>
+    <p:sldId id="263" r:id="rId5"/>
+    <p:sldId id="257" r:id="rId6"/>
+    <p:sldId id="258" r:id="rId7"/>
+    <p:sldId id="259" r:id="rId8"/>
+    <p:sldId id="261" r:id="rId9"/>
+    <p:sldId id="260" r:id="rId10"/>
+    <p:sldId id="262" r:id="rId11"/>
   </p:sldIdLst>
   <p:sldSz cx="12192000" cy="6858000"/>
   <p:notesSz cx="6858000" cy="9144000"/>
@@ -267,7 +270,7 @@
           <a:p>
             <a:fld id="{E1249EDF-C441-401E-BE19-3A9BC3A020D4}" type="datetimeFigureOut">
               <a:rPr lang="en-US" smtClean="0"/>
-              <a:t>9/30/2025</a:t>
+              <a:t>10/2/2025</a:t>
             </a:fld>
             <a:endParaRPr lang="en-US"/>
           </a:p>
@@ -445,7 +448,7 @@
           <a:p>
             <a:fld id="{EC53C71B-473E-4814-B444-77926C773EE5}" type="datetimeFigureOut">
               <a:rPr lang="en-US" smtClean="0"/>
-              <a:t>9/30/2025</a:t>
+              <a:t>10/2/2025</a:t>
             </a:fld>
             <a:endParaRPr lang="en-US"/>
           </a:p>
@@ -841,6 +844,78 @@
           <a:p>
             <a:r>
               <a:rPr lang="en-US" dirty="0"/>
+              <a:t>- Mention that SQL </a:t>
+            </a:r>
+            <a:r>
+              <a:rPr lang="en-US" dirty="0" err="1"/>
+              <a:t>dbs</a:t>
+            </a:r>
+            <a:r>
+              <a:rPr lang="en-US" dirty="0"/>
+              <a:t> might be better</a:t>
+            </a:r>
+          </a:p>
+        </p:txBody>
+      </p:sp>
+    </p:spTree>
+    <p:extLst>
+      <p:ext uri="{BB962C8B-B14F-4D97-AF65-F5344CB8AC3E}">
+        <p14:creationId xmlns:p14="http://schemas.microsoft.com/office/powerpoint/2010/main" val="3294867500"/>
+      </p:ext>
+    </p:extLst>
+  </p:cSld>
+  <p:clrMapOvr>
+    <a:masterClrMapping/>
+  </p:clrMapOvr>
+</p:notes>
+</file>
+
+<file path=ppt/notesSlides/notesSlide3.xml><?xml version="1.0" encoding="utf-8"?>
+<p:notes xmlns:a="http://schemas.openxmlformats.org/drawingml/2006/main" xmlns:r="http://schemas.openxmlformats.org/officeDocument/2006/relationships" xmlns:p="http://schemas.openxmlformats.org/presentationml/2006/main">
+  <p:cSld>
+    <p:spTree>
+      <p:nvGrpSpPr>
+        <p:cNvPr id="1" name=""/>
+        <p:cNvGrpSpPr/>
+        <p:nvPr/>
+      </p:nvGrpSpPr>
+      <p:grpSpPr>
+        <a:xfrm>
+          <a:off x="0" y="0"/>
+          <a:ext cx="0" cy="0"/>
+          <a:chOff x="0" y="0"/>
+          <a:chExt cx="0" cy="0"/>
+        </a:xfrm>
+      </p:grpSpPr>
+      <p:sp>
+        <p:nvSpPr>
+          <p:cNvPr id="2" name="Slide Image Placeholder 1"/>
+          <p:cNvSpPr>
+            <a:spLocks noGrp="1" noRot="1" noChangeAspect="1"/>
+          </p:cNvSpPr>
+          <p:nvPr>
+            <p:ph type="sldImg"/>
+          </p:nvPr>
+        </p:nvSpPr>
+        <p:spPr/>
+      </p:sp>
+      <p:sp>
+        <p:nvSpPr>
+          <p:cNvPr id="3" name="Notes Placeholder 2"/>
+          <p:cNvSpPr>
+            <a:spLocks noGrp="1"/>
+          </p:cNvSpPr>
+          <p:nvPr>
+            <p:ph type="body" idx="1"/>
+          </p:nvPr>
+        </p:nvSpPr>
+        <p:spPr/>
+        <p:txBody>
+          <a:bodyPr/>
+          <a:lstStyle/>
+          <a:p>
+            <a:r>
+              <a:rPr lang="en-US" dirty="0"/>
               <a:t>- Run with </a:t>
             </a:r>
             <a:r>
@@ -1051,7 +1126,7 @@
               <a:pPr>
                 <a:defRPr/>
               </a:pPr>
-              <a:t>Tuesday, September 30, 2025</a:t>
+              <a:t>Thursday, October 2, 2025</a:t>
             </a:fld>
             <a:endParaRPr lang="en-US" dirty="0"/>
           </a:p>
@@ -1265,7 +1340,7 @@
               <a:pPr>
                 <a:defRPr/>
               </a:pPr>
-              <a:t>Tuesday, September 30, 2025</a:t>
+              <a:t>Thursday, October 2, 2025</a:t>
             </a:fld>
             <a:endParaRPr lang="en-US" dirty="0"/>
           </a:p>
@@ -1680,7 +1755,7 @@
               <a:pPr>
                 <a:defRPr/>
               </a:pPr>
-              <a:t>Tuesday, September 30, 2025</a:t>
+              <a:t>Thursday, October 2, 2025</a:t>
             </a:fld>
             <a:endParaRPr lang="en-US" dirty="0"/>
           </a:p>
@@ -2040,7 +2115,7 @@
               <a:pPr>
                 <a:defRPr/>
               </a:pPr>
-              <a:t>Tuesday, September 30, 2025</a:t>
+              <a:t>Thursday, October 2, 2025</a:t>
             </a:fld>
             <a:endParaRPr lang="en-US" dirty="0"/>
           </a:p>
@@ -2318,7 +2393,7 @@
               <a:pPr>
                 <a:defRPr/>
               </a:pPr>
-              <a:t>Tuesday, September 30, 2025</a:t>
+              <a:t>Thursday, October 2, 2025</a:t>
             </a:fld>
             <a:endParaRPr lang="en-US" dirty="0"/>
           </a:p>
@@ -2602,7 +2677,7 @@
               <a:pPr>
                 <a:defRPr/>
               </a:pPr>
-              <a:t>Tuesday, September 30, 2025</a:t>
+              <a:t>Thursday, October 2, 2025</a:t>
             </a:fld>
             <a:endParaRPr lang="en-US" dirty="0"/>
           </a:p>
@@ -3155,7 +3230,7 @@
               <a:pPr>
                 <a:defRPr/>
               </a:pPr>
-              <a:t>Tuesday, September 30, 2025</a:t>
+              <a:t>Thursday, October 2, 2025</a:t>
             </a:fld>
             <a:endParaRPr lang="en-US" dirty="0"/>
           </a:p>
@@ -3711,7 +3786,7 @@
           <a:p>
             <a:r>
               <a:rPr lang="en-US" dirty="0"/>
-              <a:t>Redis data stores</a:t>
+              <a:t>Databases and Redis</a:t>
             </a:r>
           </a:p>
         </p:txBody>
@@ -3754,6 +3829,161 @@
     <p:extLst>
       <p:ext uri="{BB962C8B-B14F-4D97-AF65-F5344CB8AC3E}">
         <p14:creationId xmlns:p14="http://schemas.microsoft.com/office/powerpoint/2010/main" val="4049575248"/>
+      </p:ext>
+    </p:extLst>
+  </p:cSld>
+  <p:clrMapOvr>
+    <a:masterClrMapping/>
+  </p:clrMapOvr>
+</p:sld>
+</file>
+
+<file path=ppt/slides/slide10.xml><?xml version="1.0" encoding="utf-8"?>
+<p:sld xmlns:a="http://schemas.openxmlformats.org/drawingml/2006/main" xmlns:r="http://schemas.openxmlformats.org/officeDocument/2006/relationships" xmlns:p="http://schemas.openxmlformats.org/presentationml/2006/main">
+  <p:cSld>
+    <p:spTree>
+      <p:nvGrpSpPr>
+        <p:cNvPr id="1" name=""/>
+        <p:cNvGrpSpPr/>
+        <p:nvPr/>
+      </p:nvGrpSpPr>
+      <p:grpSpPr>
+        <a:xfrm>
+          <a:off x="0" y="0"/>
+          <a:ext cx="0" cy="0"/>
+          <a:chOff x="0" y="0"/>
+          <a:chExt cx="0" cy="0"/>
+        </a:xfrm>
+      </p:grpSpPr>
+      <p:sp>
+        <p:nvSpPr>
+          <p:cNvPr id="5" name="Content Placeholder 4">
+            <a:extLst>
+              <a:ext uri="{FF2B5EF4-FFF2-40B4-BE49-F238E27FC236}">
+                <a16:creationId xmlns:a16="http://schemas.microsoft.com/office/drawing/2014/main" id="{DC501A1A-903C-A2D6-1ABC-F68EAC1DC6B5}"/>
+              </a:ext>
+            </a:extLst>
+          </p:cNvPr>
+          <p:cNvSpPr>
+            <a:spLocks noGrp="1"/>
+          </p:cNvSpPr>
+          <p:nvPr>
+            <p:ph idx="1"/>
+          </p:nvPr>
+        </p:nvSpPr>
+        <p:spPr/>
+        <p:txBody>
+          <a:bodyPr>
+            <a:normAutofit/>
+          </a:bodyPr>
+          <a:lstStyle/>
+          <a:p>
+            <a:r>
+              <a:rPr lang="en-US" dirty="0"/>
+              <a:t>Hides network communication</a:t>
+            </a:r>
+          </a:p>
+          <a:p>
+            <a:r>
+              <a:rPr lang="en-US" dirty="0">
+                <a:latin typeface="Consolas" panose="020B0609020204030204" pitchFamily="49" charset="0"/>
+              </a:rPr>
+              <a:t>String key = ... ; </a:t>
+            </a:r>
+            <a:br>
+              <a:rPr lang="en-US" dirty="0">
+                <a:latin typeface="Consolas" panose="020B0609020204030204" pitchFamily="49" charset="0"/>
+              </a:rPr>
+            </a:br>
+            <a:r>
+              <a:rPr lang="en-US" dirty="0">
+                <a:latin typeface="Consolas" panose="020B0609020204030204" pitchFamily="49" charset="0"/>
+              </a:rPr>
+              <a:t>String value = ...; </a:t>
+            </a:r>
+            <a:br>
+              <a:rPr lang="en-US" dirty="0">
+                <a:latin typeface="Consolas" panose="020B0609020204030204" pitchFamily="49" charset="0"/>
+              </a:rPr>
+            </a:br>
+            <a:r>
+              <a:rPr lang="en-US" dirty="0">
+                <a:latin typeface="Consolas" panose="020B0609020204030204" pitchFamily="49" charset="0"/>
+              </a:rPr>
+              <a:t>Jedis </a:t>
+            </a:r>
+            <a:r>
+              <a:rPr lang="en-US" dirty="0" err="1">
+                <a:latin typeface="Consolas" panose="020B0609020204030204" pitchFamily="49" charset="0"/>
+              </a:rPr>
+              <a:t>jedisSession</a:t>
+            </a:r>
+            <a:r>
+              <a:rPr lang="en-US" dirty="0">
+                <a:latin typeface="Consolas" panose="020B0609020204030204" pitchFamily="49" charset="0"/>
+              </a:rPr>
+              <a:t> = new Jedis("localhost", 6379); </a:t>
+            </a:r>
+            <a:r>
+              <a:rPr lang="en-US" dirty="0" err="1">
+                <a:latin typeface="Consolas" panose="020B0609020204030204" pitchFamily="49" charset="0"/>
+              </a:rPr>
+              <a:t>jedisSession.set</a:t>
+            </a:r>
+            <a:r>
+              <a:rPr lang="en-US" dirty="0">
+                <a:latin typeface="Consolas" panose="020B0609020204030204" pitchFamily="49" charset="0"/>
+              </a:rPr>
+              <a:t>(key, value);</a:t>
+            </a:r>
+          </a:p>
+          <a:p>
+            <a:r>
+              <a:rPr lang="en-US" b="1" dirty="0">
+                <a:latin typeface="Helvetica" panose="020B0604020202020204" pitchFamily="34" charset="0"/>
+                <a:cs typeface="Helvetica" panose="020B0604020202020204" pitchFamily="34" charset="0"/>
+              </a:rPr>
+              <a:t>Demo: https://github.com/davsec-teaching/jedis-demo</a:t>
+            </a:r>
+            <a:endParaRPr lang="en-US" dirty="0"/>
+          </a:p>
+          <a:p>
+            <a:endParaRPr lang="en-US" dirty="0"/>
+          </a:p>
+        </p:txBody>
+      </p:sp>
+      <p:sp>
+        <p:nvSpPr>
+          <p:cNvPr id="4" name="Title 3">
+            <a:extLst>
+              <a:ext uri="{FF2B5EF4-FFF2-40B4-BE49-F238E27FC236}">
+                <a16:creationId xmlns:a16="http://schemas.microsoft.com/office/drawing/2014/main" id="{D106C7B2-FD4A-10D6-6BD7-254D6FA4DB7E}"/>
+              </a:ext>
+            </a:extLst>
+          </p:cNvPr>
+          <p:cNvSpPr>
+            <a:spLocks noGrp="1"/>
+          </p:cNvSpPr>
+          <p:nvPr>
+            <p:ph type="title"/>
+          </p:nvPr>
+        </p:nvSpPr>
+        <p:spPr/>
+        <p:txBody>
+          <a:bodyPr/>
+          <a:lstStyle/>
+          <a:p>
+            <a:r>
+              <a:rPr lang="en-US" dirty="0"/>
+              <a:t>Jedis library</a:t>
+            </a:r>
+          </a:p>
+        </p:txBody>
+      </p:sp>
+    </p:spTree>
+    <p:extLst>
+      <p:ext uri="{BB962C8B-B14F-4D97-AF65-F5344CB8AC3E}">
+        <p14:creationId xmlns:p14="http://schemas.microsoft.com/office/powerpoint/2010/main" val="1132846221"/>
       </p:ext>
     </p:extLst>
   </p:cSld>
@@ -3785,7 +4015,7 @@
           <p:cNvPr id="5" name="Content Placeholder 4">
             <a:extLst>
               <a:ext uri="{FF2B5EF4-FFF2-40B4-BE49-F238E27FC236}">
-                <a16:creationId xmlns:a16="http://schemas.microsoft.com/office/drawing/2014/main" id="{87C19345-73B3-693F-008E-CC61B1CEF8B1}"/>
+                <a16:creationId xmlns:a16="http://schemas.microsoft.com/office/drawing/2014/main" id="{78A08EEE-BEC7-ADD3-B362-4D2FCC351D2F}"/>
               </a:ext>
             </a:extLst>
           </p:cNvPr>
@@ -3802,46 +4032,15 @@
           <a:lstStyle/>
           <a:p>
             <a:r>
-              <a:rPr lang="en-US" dirty="0" err="1"/>
-              <a:t>REmote</a:t>
-            </a:r>
-            <a:r>
-              <a:rPr lang="en-US" dirty="0"/>
-              <a:t> </a:t>
-            </a:r>
-            <a:r>
-              <a:rPr lang="en-US" dirty="0" err="1"/>
-              <a:t>DIctionary</a:t>
-            </a:r>
-            <a:r>
-              <a:rPr lang="en-US" dirty="0"/>
-              <a:t> Server</a:t>
-            </a:r>
-          </a:p>
-          <a:p>
-            <a:r>
-              <a:rPr lang="en-US" dirty="0"/>
-              <a:t>In-memory data store</a:t>
-            </a:r>
-          </a:p>
-          <a:p>
-            <a:pPr lvl="1"/>
-            <a:r>
-              <a:rPr lang="en-US" dirty="0"/>
-              <a:t>Can persist to a file</a:t>
-            </a:r>
-          </a:p>
-          <a:p>
-            <a:r>
-              <a:rPr lang="en-US" dirty="0"/>
-              <a:t>Key-value store</a:t>
-            </a:r>
-          </a:p>
-          <a:p>
-            <a:r>
-              <a:rPr lang="en-US" dirty="0"/>
-              <a:t>Keys can contain strings, hashes, lists, sets, and so on</a:t>
-            </a:r>
+              <a:rPr lang="en-US" dirty="0"/>
+              <a:t>HW1 skeleton code uploaded</a:t>
+            </a:r>
+          </a:p>
+          <a:p>
+            <a:pPr marL="0" indent="0">
+              <a:buNone/>
+            </a:pPr>
+            <a:endParaRPr lang="en-US" dirty="0"/>
           </a:p>
         </p:txBody>
       </p:sp>
@@ -3850,7 +4049,7 @@
           <p:cNvPr id="4" name="Title 3">
             <a:extLst>
               <a:ext uri="{FF2B5EF4-FFF2-40B4-BE49-F238E27FC236}">
-                <a16:creationId xmlns:a16="http://schemas.microsoft.com/office/drawing/2014/main" id="{3C64E53D-F949-BF15-C512-0A3603582EFE}"/>
+                <a16:creationId xmlns:a16="http://schemas.microsoft.com/office/drawing/2014/main" id="{8469CFB8-E42D-EA50-DB34-2CDC88DC2352}"/>
               </a:ext>
             </a:extLst>
           </p:cNvPr>
@@ -3868,7 +4067,7 @@
           <a:p>
             <a:r>
               <a:rPr lang="en-US" dirty="0"/>
-              <a:t>Redis</a:t>
+              <a:t>Announcements</a:t>
             </a:r>
           </a:p>
         </p:txBody>
@@ -3876,7 +4075,7 @@
     </p:spTree>
     <p:extLst>
       <p:ext uri="{BB962C8B-B14F-4D97-AF65-F5344CB8AC3E}">
-        <p14:creationId xmlns:p14="http://schemas.microsoft.com/office/powerpoint/2010/main" val="3475240886"/>
+        <p14:creationId xmlns:p14="http://schemas.microsoft.com/office/powerpoint/2010/main" val="3966752778"/>
       </p:ext>
     </p:extLst>
   </p:cSld>
@@ -3891,13 +4090,7 @@
   <p:cSld>
     <p:spTree>
       <p:nvGrpSpPr>
-        <p:cNvPr id="1" name="">
-          <a:extLst>
-            <a:ext uri="{FF2B5EF4-FFF2-40B4-BE49-F238E27FC236}">
-              <a16:creationId xmlns:a16="http://schemas.microsoft.com/office/drawing/2014/main" id="{47A2C8F7-51A5-C9E2-B9C6-E4E98ED6D884}"/>
-            </a:ext>
-          </a:extLst>
-        </p:cNvPr>
+        <p:cNvPr id="1" name=""/>
         <p:cNvGrpSpPr/>
         <p:nvPr/>
       </p:nvGrpSpPr>
@@ -3914,7 +4107,7 @@
           <p:cNvPr id="5" name="Content Placeholder 4">
             <a:extLst>
               <a:ext uri="{FF2B5EF4-FFF2-40B4-BE49-F238E27FC236}">
-                <a16:creationId xmlns:a16="http://schemas.microsoft.com/office/drawing/2014/main" id="{00FE564F-EDC6-7267-95DE-A2E7FBD98408}"/>
+                <a16:creationId xmlns:a16="http://schemas.microsoft.com/office/drawing/2014/main" id="{7FFAA206-843A-30F8-F6B7-E6BC50D202FB}"/>
               </a:ext>
             </a:extLst>
           </p:cNvPr>
@@ -3932,52 +4125,32 @@
           <a:p>
             <a:r>
               <a:rPr lang="en-US" dirty="0"/>
-              <a:t>As a database</a:t>
-            </a:r>
-          </a:p>
-          <a:p>
-            <a:pPr lvl="1"/>
-            <a:r>
-              <a:rPr lang="en-US" dirty="0"/>
-              <a:t>HW1 – to persist social media posts</a:t>
-            </a:r>
-          </a:p>
-          <a:p>
-            <a:r>
-              <a:rPr lang="en-US" dirty="0"/>
-              <a:t>As a caching layer</a:t>
-            </a:r>
-          </a:p>
-          <a:p>
-            <a:pPr lvl="1"/>
-            <a:r>
-              <a:rPr lang="en-US" dirty="0"/>
-              <a:t>Cache previously executed SQL queries</a:t>
-            </a:r>
-          </a:p>
-          <a:p>
-            <a:r>
-              <a:rPr lang="en-US" dirty="0"/>
-              <a:t>As a message broker</a:t>
-            </a:r>
-          </a:p>
-          <a:p>
-            <a:pPr lvl="1"/>
-            <a:r>
-              <a:rPr lang="en-US" dirty="0"/>
-              <a:t>Communicate between two different services</a:t>
-            </a:r>
-          </a:p>
-          <a:p>
-            <a:pPr lvl="1"/>
-            <a:r>
-              <a:rPr lang="en-US" dirty="0"/>
-              <a:t>[Will see more of this in Microservices]</a:t>
-            </a:r>
-          </a:p>
-          <a:p>
-            <a:pPr lvl="1"/>
-            <a:endParaRPr lang="en-US" dirty="0"/>
+              <a:t>Databases and Redis</a:t>
+            </a:r>
+          </a:p>
+          <a:p>
+            <a:r>
+              <a:rPr lang="en-US" dirty="0"/>
+              <a:t>Complete HW1 discussion</a:t>
+            </a:r>
+          </a:p>
+          <a:p>
+            <a:r>
+              <a:rPr lang="en-US" dirty="0"/>
+              <a:t>Unit Testing</a:t>
+            </a:r>
+          </a:p>
+          <a:p>
+            <a:r>
+              <a:rPr lang="en-US" dirty="0"/>
+              <a:t>Continuous Integration / Continuous Deployment</a:t>
+            </a:r>
+          </a:p>
+          <a:p>
+            <a:r>
+              <a:rPr lang="en-US" dirty="0"/>
+              <a:t>Reflection and Annotations</a:t>
+            </a:r>
           </a:p>
         </p:txBody>
       </p:sp>
@@ -3986,7 +4159,7 @@
           <p:cNvPr id="4" name="Title 3">
             <a:extLst>
               <a:ext uri="{FF2B5EF4-FFF2-40B4-BE49-F238E27FC236}">
-                <a16:creationId xmlns:a16="http://schemas.microsoft.com/office/drawing/2014/main" id="{79100CB6-9CEC-02DB-8876-BD93F7C9B248}"/>
+                <a16:creationId xmlns:a16="http://schemas.microsoft.com/office/drawing/2014/main" id="{66135A4F-6412-D0D3-D2E6-580AE0EB14A1}"/>
               </a:ext>
             </a:extLst>
           </p:cNvPr>
@@ -4004,15 +4177,51 @@
           <a:p>
             <a:r>
               <a:rPr lang="en-US" dirty="0"/>
-              <a:t>Uses</a:t>
-            </a:r>
-          </a:p>
-        </p:txBody>
-      </p:sp>
+              <a:t>Agenda</a:t>
+            </a:r>
+          </a:p>
+        </p:txBody>
+      </p:sp>
+      <p:cxnSp>
+        <p:nvCxnSpPr>
+          <p:cNvPr id="7" name="Straight Connector 6">
+            <a:extLst>
+              <a:ext uri="{FF2B5EF4-FFF2-40B4-BE49-F238E27FC236}">
+                <a16:creationId xmlns:a16="http://schemas.microsoft.com/office/drawing/2014/main" id="{22400B1B-D7C7-DC4A-B3BA-F884369BC91D}"/>
+              </a:ext>
+            </a:extLst>
+          </p:cNvPr>
+          <p:cNvCxnSpPr/>
+          <p:nvPr/>
+        </p:nvCxnSpPr>
+        <p:spPr>
+          <a:xfrm>
+            <a:off x="0" y="2833511"/>
+            <a:ext cx="12192000" cy="0"/>
+          </a:xfrm>
+          <a:prstGeom prst="line">
+            <a:avLst/>
+          </a:prstGeom>
+        </p:spPr>
+        <p:style>
+          <a:lnRef idx="1">
+            <a:schemeClr val="dk1"/>
+          </a:lnRef>
+          <a:fillRef idx="0">
+            <a:schemeClr val="dk1"/>
+          </a:fillRef>
+          <a:effectRef idx="0">
+            <a:schemeClr val="dk1"/>
+          </a:effectRef>
+          <a:fontRef idx="minor">
+            <a:schemeClr val="tx1"/>
+          </a:fontRef>
+        </p:style>
+      </p:cxnSp>
     </p:spTree>
     <p:extLst>
       <p:ext uri="{BB962C8B-B14F-4D97-AF65-F5344CB8AC3E}">
-        <p14:creationId xmlns:p14="http://schemas.microsoft.com/office/powerpoint/2010/main" val="1703942419"/>
+        <p14:creationId xmlns:p14="http://schemas.microsoft.com/office/powerpoint/2010/main" val="4092610713"/>
       </p:ext>
     </p:extLst>
   </p:cSld>
@@ -4044,6 +4253,593 @@
           <p:cNvPr id="5" name="Content Placeholder 4">
             <a:extLst>
               <a:ext uri="{FF2B5EF4-FFF2-40B4-BE49-F238E27FC236}">
+                <a16:creationId xmlns:a16="http://schemas.microsoft.com/office/drawing/2014/main" id="{E54208E1-C2C6-CAE5-F994-2CD631768310}"/>
+              </a:ext>
+            </a:extLst>
+          </p:cNvPr>
+          <p:cNvSpPr>
+            <a:spLocks noGrp="1"/>
+          </p:cNvSpPr>
+          <p:nvPr>
+            <p:ph idx="1"/>
+          </p:nvPr>
+        </p:nvSpPr>
+        <p:spPr/>
+        <p:txBody>
+          <a:bodyPr/>
+          <a:lstStyle/>
+          <a:p>
+            <a:r>
+              <a:rPr lang="en-US" dirty="0"/>
+              <a:t>Organized collections of data designed for efficient storage, retrieval, and management</a:t>
+            </a:r>
+          </a:p>
+          <a:p>
+            <a:r>
+              <a:rPr lang="en-US" dirty="0"/>
+              <a:t>Types</a:t>
+            </a:r>
+          </a:p>
+          <a:p>
+            <a:pPr lvl="1"/>
+            <a:r>
+              <a:rPr lang="en-US" dirty="0"/>
+              <a:t>Relational</a:t>
+            </a:r>
+          </a:p>
+          <a:p>
+            <a:pPr lvl="1"/>
+            <a:r>
+              <a:rPr lang="en-US" dirty="0"/>
+              <a:t>NoSQL (document, </a:t>
+            </a:r>
+            <a:r>
+              <a:rPr lang="en-US" b="1" dirty="0"/>
+              <a:t>key-value</a:t>
+            </a:r>
+            <a:r>
+              <a:rPr lang="en-US" dirty="0"/>
+              <a:t>, graph, and so on…)</a:t>
+            </a:r>
+          </a:p>
+          <a:p>
+            <a:pPr marL="0" indent="0">
+              <a:buNone/>
+            </a:pPr>
+            <a:endParaRPr lang="en-US" dirty="0"/>
+          </a:p>
+        </p:txBody>
+      </p:sp>
+      <p:sp>
+        <p:nvSpPr>
+          <p:cNvPr id="4" name="Title 3">
+            <a:extLst>
+              <a:ext uri="{FF2B5EF4-FFF2-40B4-BE49-F238E27FC236}">
+                <a16:creationId xmlns:a16="http://schemas.microsoft.com/office/drawing/2014/main" id="{3612670B-2D9C-50B3-0BD7-B5991AACB565}"/>
+              </a:ext>
+            </a:extLst>
+          </p:cNvPr>
+          <p:cNvSpPr>
+            <a:spLocks noGrp="1"/>
+          </p:cNvSpPr>
+          <p:nvPr>
+            <p:ph type="title"/>
+          </p:nvPr>
+        </p:nvSpPr>
+        <p:spPr/>
+        <p:txBody>
+          <a:bodyPr/>
+          <a:lstStyle/>
+          <a:p>
+            <a:r>
+              <a:rPr lang="en-US" dirty="0"/>
+              <a:t>Why databases?</a:t>
+            </a:r>
+          </a:p>
+        </p:txBody>
+      </p:sp>
+    </p:spTree>
+    <p:extLst>
+      <p:ext uri="{BB962C8B-B14F-4D97-AF65-F5344CB8AC3E}">
+        <p14:creationId xmlns:p14="http://schemas.microsoft.com/office/powerpoint/2010/main" val="4233179771"/>
+      </p:ext>
+    </p:extLst>
+  </p:cSld>
+  <p:clrMapOvr>
+    <a:masterClrMapping/>
+  </p:clrMapOvr>
+  <p:timing>
+    <p:tnLst>
+      <p:par>
+        <p:cTn id="1" dur="indefinite" restart="never" nodeType="tmRoot">
+          <p:childTnLst>
+            <p:seq concurrent="1" nextAc="seek">
+              <p:cTn id="2" dur="indefinite" nodeType="mainSeq">
+                <p:childTnLst>
+                  <p:par>
+                    <p:cTn id="3" fill="hold">
+                      <p:stCondLst>
+                        <p:cond delay="indefinite"/>
+                      </p:stCondLst>
+                      <p:childTnLst>
+                        <p:par>
+                          <p:cTn id="4" fill="hold">
+                            <p:stCondLst>
+                              <p:cond delay="0"/>
+                            </p:stCondLst>
+                            <p:childTnLst>
+                              <p:par>
+                                <p:cTn id="5" presetID="1" presetClass="entr" presetSubtype="0" fill="hold" nodeType="clickEffect">
+                                  <p:stCondLst>
+                                    <p:cond delay="0"/>
+                                  </p:stCondLst>
+                                  <p:childTnLst>
+                                    <p:set>
+                                      <p:cBhvr>
+                                        <p:cTn id="6" dur="1" fill="hold">
+                                          <p:stCondLst>
+                                            <p:cond delay="0"/>
+                                          </p:stCondLst>
+                                        </p:cTn>
+                                        <p:tgtEl>
+                                          <p:spTgt spid="5">
+                                            <p:txEl>
+                                              <p:pRg st="0" end="0"/>
+                                            </p:txEl>
+                                          </p:spTgt>
+                                        </p:tgtEl>
+                                        <p:attrNameLst>
+                                          <p:attrName>style.visibility</p:attrName>
+                                        </p:attrNameLst>
+                                      </p:cBhvr>
+                                      <p:to>
+                                        <p:strVal val="visible"/>
+                                      </p:to>
+                                    </p:set>
+                                  </p:childTnLst>
+                                </p:cTn>
+                              </p:par>
+                            </p:childTnLst>
+                          </p:cTn>
+                        </p:par>
+                      </p:childTnLst>
+                    </p:cTn>
+                  </p:par>
+                  <p:par>
+                    <p:cTn id="7" fill="hold">
+                      <p:stCondLst>
+                        <p:cond delay="indefinite"/>
+                      </p:stCondLst>
+                      <p:childTnLst>
+                        <p:par>
+                          <p:cTn id="8" fill="hold">
+                            <p:stCondLst>
+                              <p:cond delay="0"/>
+                            </p:stCondLst>
+                            <p:childTnLst>
+                              <p:par>
+                                <p:cTn id="9" presetID="1" presetClass="entr" presetSubtype="0" fill="hold" nodeType="clickEffect">
+                                  <p:stCondLst>
+                                    <p:cond delay="0"/>
+                                  </p:stCondLst>
+                                  <p:childTnLst>
+                                    <p:set>
+                                      <p:cBhvr>
+                                        <p:cTn id="10" dur="1" fill="hold">
+                                          <p:stCondLst>
+                                            <p:cond delay="0"/>
+                                          </p:stCondLst>
+                                        </p:cTn>
+                                        <p:tgtEl>
+                                          <p:spTgt spid="5">
+                                            <p:txEl>
+                                              <p:pRg st="1" end="1"/>
+                                            </p:txEl>
+                                          </p:spTgt>
+                                        </p:tgtEl>
+                                        <p:attrNameLst>
+                                          <p:attrName>style.visibility</p:attrName>
+                                        </p:attrNameLst>
+                                      </p:cBhvr>
+                                      <p:to>
+                                        <p:strVal val="visible"/>
+                                      </p:to>
+                                    </p:set>
+                                  </p:childTnLst>
+                                </p:cTn>
+                              </p:par>
+                              <p:par>
+                                <p:cTn id="11" presetID="1" presetClass="entr" presetSubtype="0" fill="hold" nodeType="withEffect">
+                                  <p:stCondLst>
+                                    <p:cond delay="0"/>
+                                  </p:stCondLst>
+                                  <p:childTnLst>
+                                    <p:set>
+                                      <p:cBhvr>
+                                        <p:cTn id="12" dur="1" fill="hold">
+                                          <p:stCondLst>
+                                            <p:cond delay="0"/>
+                                          </p:stCondLst>
+                                        </p:cTn>
+                                        <p:tgtEl>
+                                          <p:spTgt spid="5">
+                                            <p:txEl>
+                                              <p:pRg st="2" end="2"/>
+                                            </p:txEl>
+                                          </p:spTgt>
+                                        </p:tgtEl>
+                                        <p:attrNameLst>
+                                          <p:attrName>style.visibility</p:attrName>
+                                        </p:attrNameLst>
+                                      </p:cBhvr>
+                                      <p:to>
+                                        <p:strVal val="visible"/>
+                                      </p:to>
+                                    </p:set>
+                                  </p:childTnLst>
+                                </p:cTn>
+                              </p:par>
+                            </p:childTnLst>
+                          </p:cTn>
+                        </p:par>
+                      </p:childTnLst>
+                    </p:cTn>
+                  </p:par>
+                  <p:par>
+                    <p:cTn id="13" fill="hold">
+                      <p:stCondLst>
+                        <p:cond delay="indefinite"/>
+                      </p:stCondLst>
+                      <p:childTnLst>
+                        <p:par>
+                          <p:cTn id="14" fill="hold">
+                            <p:stCondLst>
+                              <p:cond delay="0"/>
+                            </p:stCondLst>
+                            <p:childTnLst>
+                              <p:par>
+                                <p:cTn id="15" presetID="1" presetClass="entr" presetSubtype="0" fill="hold" nodeType="clickEffect">
+                                  <p:stCondLst>
+                                    <p:cond delay="0"/>
+                                  </p:stCondLst>
+                                  <p:childTnLst>
+                                    <p:set>
+                                      <p:cBhvr>
+                                        <p:cTn id="16" dur="1" fill="hold">
+                                          <p:stCondLst>
+                                            <p:cond delay="0"/>
+                                          </p:stCondLst>
+                                        </p:cTn>
+                                        <p:tgtEl>
+                                          <p:spTgt spid="5">
+                                            <p:txEl>
+                                              <p:pRg st="3" end="3"/>
+                                            </p:txEl>
+                                          </p:spTgt>
+                                        </p:tgtEl>
+                                        <p:attrNameLst>
+                                          <p:attrName>style.visibility</p:attrName>
+                                        </p:attrNameLst>
+                                      </p:cBhvr>
+                                      <p:to>
+                                        <p:strVal val="visible"/>
+                                      </p:to>
+                                    </p:set>
+                                  </p:childTnLst>
+                                </p:cTn>
+                              </p:par>
+                            </p:childTnLst>
+                          </p:cTn>
+                        </p:par>
+                      </p:childTnLst>
+                    </p:cTn>
+                  </p:par>
+                </p:childTnLst>
+              </p:cTn>
+              <p:prevCondLst>
+                <p:cond evt="onPrev" delay="0">
+                  <p:tgtEl>
+                    <p:sldTgt/>
+                  </p:tgtEl>
+                </p:cond>
+              </p:prevCondLst>
+              <p:nextCondLst>
+                <p:cond evt="onNext" delay="0">
+                  <p:tgtEl>
+                    <p:sldTgt/>
+                  </p:tgtEl>
+                </p:cond>
+              </p:nextCondLst>
+            </p:seq>
+          </p:childTnLst>
+        </p:cTn>
+      </p:par>
+    </p:tnLst>
+  </p:timing>
+</p:sld>
+</file>
+
+<file path=ppt/slides/slide5.xml><?xml version="1.0" encoding="utf-8"?>
+<p:sld xmlns:a="http://schemas.openxmlformats.org/drawingml/2006/main" xmlns:r="http://schemas.openxmlformats.org/officeDocument/2006/relationships" xmlns:p="http://schemas.openxmlformats.org/presentationml/2006/main">
+  <p:cSld>
+    <p:spTree>
+      <p:nvGrpSpPr>
+        <p:cNvPr id="1" name=""/>
+        <p:cNvGrpSpPr/>
+        <p:nvPr/>
+      </p:nvGrpSpPr>
+      <p:grpSpPr>
+        <a:xfrm>
+          <a:off x="0" y="0"/>
+          <a:ext cx="0" cy="0"/>
+          <a:chOff x="0" y="0"/>
+          <a:chExt cx="0" cy="0"/>
+        </a:xfrm>
+      </p:grpSpPr>
+      <p:sp>
+        <p:nvSpPr>
+          <p:cNvPr id="5" name="Content Placeholder 4">
+            <a:extLst>
+              <a:ext uri="{FF2B5EF4-FFF2-40B4-BE49-F238E27FC236}">
+                <a16:creationId xmlns:a16="http://schemas.microsoft.com/office/drawing/2014/main" id="{87C19345-73B3-693F-008E-CC61B1CEF8B1}"/>
+              </a:ext>
+            </a:extLst>
+          </p:cNvPr>
+          <p:cNvSpPr>
+            <a:spLocks noGrp="1"/>
+          </p:cNvSpPr>
+          <p:nvPr>
+            <p:ph idx="1"/>
+          </p:nvPr>
+        </p:nvSpPr>
+        <p:spPr/>
+        <p:txBody>
+          <a:bodyPr/>
+          <a:lstStyle/>
+          <a:p>
+            <a:r>
+              <a:rPr lang="en-US" dirty="0" err="1"/>
+              <a:t>REmote</a:t>
+            </a:r>
+            <a:r>
+              <a:rPr lang="en-US" dirty="0"/>
+              <a:t> </a:t>
+            </a:r>
+            <a:r>
+              <a:rPr lang="en-US" dirty="0" err="1"/>
+              <a:t>DIctionary</a:t>
+            </a:r>
+            <a:r>
+              <a:rPr lang="en-US" dirty="0"/>
+              <a:t> Server</a:t>
+            </a:r>
+          </a:p>
+          <a:p>
+            <a:r>
+              <a:rPr lang="en-US" dirty="0"/>
+              <a:t>In-memory data store</a:t>
+            </a:r>
+          </a:p>
+          <a:p>
+            <a:pPr lvl="1"/>
+            <a:r>
+              <a:rPr lang="en-US" dirty="0"/>
+              <a:t>Can persist to a file</a:t>
+            </a:r>
+          </a:p>
+          <a:p>
+            <a:r>
+              <a:rPr lang="en-US" dirty="0"/>
+              <a:t>Key-value store</a:t>
+            </a:r>
+          </a:p>
+          <a:p>
+            <a:r>
+              <a:rPr lang="en-US" dirty="0"/>
+              <a:t>Keys can contain strings, hashes, lists, sets, and so on</a:t>
+            </a:r>
+          </a:p>
+        </p:txBody>
+      </p:sp>
+      <p:sp>
+        <p:nvSpPr>
+          <p:cNvPr id="4" name="Title 3">
+            <a:extLst>
+              <a:ext uri="{FF2B5EF4-FFF2-40B4-BE49-F238E27FC236}">
+                <a16:creationId xmlns:a16="http://schemas.microsoft.com/office/drawing/2014/main" id="{3C64E53D-F949-BF15-C512-0A3603582EFE}"/>
+              </a:ext>
+            </a:extLst>
+          </p:cNvPr>
+          <p:cNvSpPr>
+            <a:spLocks noGrp="1"/>
+          </p:cNvSpPr>
+          <p:nvPr>
+            <p:ph type="title"/>
+          </p:nvPr>
+        </p:nvSpPr>
+        <p:spPr/>
+        <p:txBody>
+          <a:bodyPr/>
+          <a:lstStyle/>
+          <a:p>
+            <a:r>
+              <a:rPr lang="en-US" dirty="0"/>
+              <a:t>Redis</a:t>
+            </a:r>
+          </a:p>
+        </p:txBody>
+      </p:sp>
+    </p:spTree>
+    <p:extLst>
+      <p:ext uri="{BB962C8B-B14F-4D97-AF65-F5344CB8AC3E}">
+        <p14:creationId xmlns:p14="http://schemas.microsoft.com/office/powerpoint/2010/main" val="3475240886"/>
+      </p:ext>
+    </p:extLst>
+  </p:cSld>
+  <p:clrMapOvr>
+    <a:masterClrMapping/>
+  </p:clrMapOvr>
+</p:sld>
+</file>
+
+<file path=ppt/slides/slide6.xml><?xml version="1.0" encoding="utf-8"?>
+<p:sld xmlns:a="http://schemas.openxmlformats.org/drawingml/2006/main" xmlns:r="http://schemas.openxmlformats.org/officeDocument/2006/relationships" xmlns:p="http://schemas.openxmlformats.org/presentationml/2006/main">
+  <p:cSld>
+    <p:spTree>
+      <p:nvGrpSpPr>
+        <p:cNvPr id="1" name="">
+          <a:extLst>
+            <a:ext uri="{FF2B5EF4-FFF2-40B4-BE49-F238E27FC236}">
+              <a16:creationId xmlns:a16="http://schemas.microsoft.com/office/drawing/2014/main" id="{47A2C8F7-51A5-C9E2-B9C6-E4E98ED6D884}"/>
+            </a:ext>
+          </a:extLst>
+        </p:cNvPr>
+        <p:cNvGrpSpPr/>
+        <p:nvPr/>
+      </p:nvGrpSpPr>
+      <p:grpSpPr>
+        <a:xfrm>
+          <a:off x="0" y="0"/>
+          <a:ext cx="0" cy="0"/>
+          <a:chOff x="0" y="0"/>
+          <a:chExt cx="0" cy="0"/>
+        </a:xfrm>
+      </p:grpSpPr>
+      <p:sp>
+        <p:nvSpPr>
+          <p:cNvPr id="5" name="Content Placeholder 4">
+            <a:extLst>
+              <a:ext uri="{FF2B5EF4-FFF2-40B4-BE49-F238E27FC236}">
+                <a16:creationId xmlns:a16="http://schemas.microsoft.com/office/drawing/2014/main" id="{00FE564F-EDC6-7267-95DE-A2E7FBD98408}"/>
+              </a:ext>
+            </a:extLst>
+          </p:cNvPr>
+          <p:cNvSpPr>
+            <a:spLocks noGrp="1"/>
+          </p:cNvSpPr>
+          <p:nvPr>
+            <p:ph idx="1"/>
+          </p:nvPr>
+        </p:nvSpPr>
+        <p:spPr/>
+        <p:txBody>
+          <a:bodyPr/>
+          <a:lstStyle/>
+          <a:p>
+            <a:r>
+              <a:rPr lang="en-US" dirty="0"/>
+              <a:t>As a database</a:t>
+            </a:r>
+          </a:p>
+          <a:p>
+            <a:pPr lvl="1"/>
+            <a:r>
+              <a:rPr lang="en-US" dirty="0"/>
+              <a:t>HW1 – to persist social media posts</a:t>
+            </a:r>
+          </a:p>
+          <a:p>
+            <a:r>
+              <a:rPr lang="en-US" dirty="0"/>
+              <a:t>As a caching layer</a:t>
+            </a:r>
+          </a:p>
+          <a:p>
+            <a:pPr lvl="1"/>
+            <a:r>
+              <a:rPr lang="en-US" dirty="0"/>
+              <a:t>Cache previously executed SQL queries</a:t>
+            </a:r>
+          </a:p>
+          <a:p>
+            <a:r>
+              <a:rPr lang="en-US" dirty="0"/>
+              <a:t>As a message broker</a:t>
+            </a:r>
+          </a:p>
+          <a:p>
+            <a:pPr lvl="1"/>
+            <a:r>
+              <a:rPr lang="en-US" dirty="0"/>
+              <a:t>Communicate between two different services</a:t>
+            </a:r>
+          </a:p>
+          <a:p>
+            <a:pPr lvl="1"/>
+            <a:r>
+              <a:rPr lang="en-US" dirty="0"/>
+              <a:t>[Will see more of this in Microservices]</a:t>
+            </a:r>
+          </a:p>
+          <a:p>
+            <a:pPr lvl="1"/>
+            <a:endParaRPr lang="en-US" dirty="0"/>
+          </a:p>
+        </p:txBody>
+      </p:sp>
+      <p:sp>
+        <p:nvSpPr>
+          <p:cNvPr id="4" name="Title 3">
+            <a:extLst>
+              <a:ext uri="{FF2B5EF4-FFF2-40B4-BE49-F238E27FC236}">
+                <a16:creationId xmlns:a16="http://schemas.microsoft.com/office/drawing/2014/main" id="{79100CB6-9CEC-02DB-8876-BD93F7C9B248}"/>
+              </a:ext>
+            </a:extLst>
+          </p:cNvPr>
+          <p:cNvSpPr>
+            <a:spLocks noGrp="1"/>
+          </p:cNvSpPr>
+          <p:nvPr>
+            <p:ph type="title"/>
+          </p:nvPr>
+        </p:nvSpPr>
+        <p:spPr/>
+        <p:txBody>
+          <a:bodyPr/>
+          <a:lstStyle/>
+          <a:p>
+            <a:r>
+              <a:rPr lang="en-US" dirty="0"/>
+              <a:t>Uses</a:t>
+            </a:r>
+          </a:p>
+        </p:txBody>
+      </p:sp>
+    </p:spTree>
+    <p:extLst>
+      <p:ext uri="{BB962C8B-B14F-4D97-AF65-F5344CB8AC3E}">
+        <p14:creationId xmlns:p14="http://schemas.microsoft.com/office/powerpoint/2010/main" val="1703942419"/>
+      </p:ext>
+    </p:extLst>
+  </p:cSld>
+  <p:clrMapOvr>
+    <a:masterClrMapping/>
+  </p:clrMapOvr>
+</p:sld>
+</file>
+
+<file path=ppt/slides/slide7.xml><?xml version="1.0" encoding="utf-8"?>
+<p:sld xmlns:a="http://schemas.openxmlformats.org/drawingml/2006/main" xmlns:r="http://schemas.openxmlformats.org/officeDocument/2006/relationships" xmlns:p="http://schemas.openxmlformats.org/presentationml/2006/main">
+  <p:cSld>
+    <p:spTree>
+      <p:nvGrpSpPr>
+        <p:cNvPr id="1" name=""/>
+        <p:cNvGrpSpPr/>
+        <p:nvPr/>
+      </p:nvGrpSpPr>
+      <p:grpSpPr>
+        <a:xfrm>
+          <a:off x="0" y="0"/>
+          <a:ext cx="0" cy="0"/>
+          <a:chOff x="0" y="0"/>
+          <a:chExt cx="0" cy="0"/>
+        </a:xfrm>
+      </p:grpSpPr>
+      <p:sp>
+        <p:nvSpPr>
+          <p:cNvPr id="5" name="Content Placeholder 4">
+            <a:extLst>
+              <a:ext uri="{FF2B5EF4-FFF2-40B4-BE49-F238E27FC236}">
                 <a16:creationId xmlns:a16="http://schemas.microsoft.com/office/drawing/2014/main" id="{59DE8D74-467B-E46D-5C56-CB6681BA9518}"/>
               </a:ext>
             </a:extLst>
@@ -4178,7 +4974,7 @@
 </p:sld>
 </file>
 
-<file path=ppt/slides/slide5.xml><?xml version="1.0" encoding="utf-8"?>
+<file path=ppt/slides/slide8.xml><?xml version="1.0" encoding="utf-8"?>
 <p:sld xmlns:a="http://schemas.openxmlformats.org/drawingml/2006/main" xmlns:r="http://schemas.openxmlformats.org/officeDocument/2006/relationships" xmlns:p="http://schemas.openxmlformats.org/presentationml/2006/main">
   <p:cSld>
     <p:spTree>
@@ -4521,7 +5317,7 @@
 </p:sld>
 </file>
 
-<file path=ppt/slides/slide6.xml><?xml version="1.0" encoding="utf-8"?>
+<file path=ppt/slides/slide9.xml><?xml version="1.0" encoding="utf-8"?>
 <p:sld xmlns:a="http://schemas.openxmlformats.org/drawingml/2006/main" xmlns:r="http://schemas.openxmlformats.org/officeDocument/2006/relationships" xmlns:p="http://schemas.openxmlformats.org/presentationml/2006/main">
   <p:cSld>
     <p:spTree>
@@ -4685,161 +5481,6 @@
     <p:extLst>
       <p:ext uri="{BB962C8B-B14F-4D97-AF65-F5344CB8AC3E}">
         <p14:creationId xmlns:p14="http://schemas.microsoft.com/office/powerpoint/2010/main" val="2294367602"/>
-      </p:ext>
-    </p:extLst>
-  </p:cSld>
-  <p:clrMapOvr>
-    <a:masterClrMapping/>
-  </p:clrMapOvr>
-</p:sld>
-</file>
-
-<file path=ppt/slides/slide7.xml><?xml version="1.0" encoding="utf-8"?>
-<p:sld xmlns:a="http://schemas.openxmlformats.org/drawingml/2006/main" xmlns:r="http://schemas.openxmlformats.org/officeDocument/2006/relationships" xmlns:p="http://schemas.openxmlformats.org/presentationml/2006/main">
-  <p:cSld>
-    <p:spTree>
-      <p:nvGrpSpPr>
-        <p:cNvPr id="1" name=""/>
-        <p:cNvGrpSpPr/>
-        <p:nvPr/>
-      </p:nvGrpSpPr>
-      <p:grpSpPr>
-        <a:xfrm>
-          <a:off x="0" y="0"/>
-          <a:ext cx="0" cy="0"/>
-          <a:chOff x="0" y="0"/>
-          <a:chExt cx="0" cy="0"/>
-        </a:xfrm>
-      </p:grpSpPr>
-      <p:sp>
-        <p:nvSpPr>
-          <p:cNvPr id="5" name="Content Placeholder 4">
-            <a:extLst>
-              <a:ext uri="{FF2B5EF4-FFF2-40B4-BE49-F238E27FC236}">
-                <a16:creationId xmlns:a16="http://schemas.microsoft.com/office/drawing/2014/main" id="{DC501A1A-903C-A2D6-1ABC-F68EAC1DC6B5}"/>
-              </a:ext>
-            </a:extLst>
-          </p:cNvPr>
-          <p:cNvSpPr>
-            <a:spLocks noGrp="1"/>
-          </p:cNvSpPr>
-          <p:nvPr>
-            <p:ph idx="1"/>
-          </p:nvPr>
-        </p:nvSpPr>
-        <p:spPr/>
-        <p:txBody>
-          <a:bodyPr>
-            <a:normAutofit/>
-          </a:bodyPr>
-          <a:lstStyle/>
-          <a:p>
-            <a:r>
-              <a:rPr lang="en-US" dirty="0"/>
-              <a:t>Hides network communication</a:t>
-            </a:r>
-          </a:p>
-          <a:p>
-            <a:r>
-              <a:rPr lang="en-US" dirty="0">
-                <a:latin typeface="Consolas" panose="020B0609020204030204" pitchFamily="49" charset="0"/>
-              </a:rPr>
-              <a:t>String key = ... ; </a:t>
-            </a:r>
-            <a:br>
-              <a:rPr lang="en-US" dirty="0">
-                <a:latin typeface="Consolas" panose="020B0609020204030204" pitchFamily="49" charset="0"/>
-              </a:rPr>
-            </a:br>
-            <a:r>
-              <a:rPr lang="en-US" dirty="0">
-                <a:latin typeface="Consolas" panose="020B0609020204030204" pitchFamily="49" charset="0"/>
-              </a:rPr>
-              <a:t>String value = ...; </a:t>
-            </a:r>
-            <a:br>
-              <a:rPr lang="en-US" dirty="0">
-                <a:latin typeface="Consolas" panose="020B0609020204030204" pitchFamily="49" charset="0"/>
-              </a:rPr>
-            </a:br>
-            <a:r>
-              <a:rPr lang="en-US" dirty="0">
-                <a:latin typeface="Consolas" panose="020B0609020204030204" pitchFamily="49" charset="0"/>
-              </a:rPr>
-              <a:t>Jedis </a:t>
-            </a:r>
-            <a:r>
-              <a:rPr lang="en-US" dirty="0" err="1">
-                <a:latin typeface="Consolas" panose="020B0609020204030204" pitchFamily="49" charset="0"/>
-              </a:rPr>
-              <a:t>jedisSession</a:t>
-            </a:r>
-            <a:r>
-              <a:rPr lang="en-US" dirty="0">
-                <a:latin typeface="Consolas" panose="020B0609020204030204" pitchFamily="49" charset="0"/>
-              </a:rPr>
-              <a:t> = new Jedis("localhost", 6379); </a:t>
-            </a:r>
-            <a:r>
-              <a:rPr lang="en-US" dirty="0" err="1">
-                <a:latin typeface="Consolas" panose="020B0609020204030204" pitchFamily="49" charset="0"/>
-              </a:rPr>
-              <a:t>jedisSession.set</a:t>
-            </a:r>
-            <a:r>
-              <a:rPr lang="en-US" dirty="0">
-                <a:latin typeface="Consolas" panose="020B0609020204030204" pitchFamily="49" charset="0"/>
-              </a:rPr>
-              <a:t>(key, value);</a:t>
-            </a:r>
-          </a:p>
-          <a:p>
-            <a:r>
-              <a:rPr lang="en-US" b="1" dirty="0">
-                <a:latin typeface="Helvetica" panose="020B0604020202020204" pitchFamily="34" charset="0"/>
-                <a:cs typeface="Helvetica" panose="020B0604020202020204" pitchFamily="34" charset="0"/>
-              </a:rPr>
-              <a:t>Demo: https://github.com/davsec-teaching/jedis-demo</a:t>
-            </a:r>
-            <a:endParaRPr lang="en-US" dirty="0"/>
-          </a:p>
-          <a:p>
-            <a:endParaRPr lang="en-US" dirty="0"/>
-          </a:p>
-        </p:txBody>
-      </p:sp>
-      <p:sp>
-        <p:nvSpPr>
-          <p:cNvPr id="4" name="Title 3">
-            <a:extLst>
-              <a:ext uri="{FF2B5EF4-FFF2-40B4-BE49-F238E27FC236}">
-                <a16:creationId xmlns:a16="http://schemas.microsoft.com/office/drawing/2014/main" id="{D106C7B2-FD4A-10D6-6BD7-254D6FA4DB7E}"/>
-              </a:ext>
-            </a:extLst>
-          </p:cNvPr>
-          <p:cNvSpPr>
-            <a:spLocks noGrp="1"/>
-          </p:cNvSpPr>
-          <p:nvPr>
-            <p:ph type="title"/>
-          </p:nvPr>
-        </p:nvSpPr>
-        <p:spPr/>
-        <p:txBody>
-          <a:bodyPr/>
-          <a:lstStyle/>
-          <a:p>
-            <a:r>
-              <a:rPr lang="en-US" dirty="0"/>
-              <a:t>Jedis library</a:t>
-            </a:r>
-          </a:p>
-        </p:txBody>
-      </p:sp>
-    </p:spTree>
-    <p:extLst>
-      <p:ext uri="{BB962C8B-B14F-4D97-AF65-F5344CB8AC3E}">
-        <p14:creationId xmlns:p14="http://schemas.microsoft.com/office/powerpoint/2010/main" val="1132846221"/>
       </p:ext>
     </p:extLst>
   </p:cSld>

--- a/slides/Discussion1_Redis.pptx
+++ b/slides/Discussion1_Redis.pptx
@@ -270,7 +270,7 @@
           <a:p>
             <a:fld id="{E1249EDF-C441-401E-BE19-3A9BC3A020D4}" type="datetimeFigureOut">
               <a:rPr lang="en-US" smtClean="0"/>
-              <a:t>10/2/2025</a:t>
+              <a:t>10/3/2025</a:t>
             </a:fld>
             <a:endParaRPr lang="en-US"/>
           </a:p>
@@ -448,7 +448,7 @@
           <a:p>
             <a:fld id="{EC53C71B-473E-4814-B444-77926C773EE5}" type="datetimeFigureOut">
               <a:rPr lang="en-US" smtClean="0"/>
-              <a:t>10/2/2025</a:t>
+              <a:t>10/3/2025</a:t>
             </a:fld>
             <a:endParaRPr lang="en-US"/>
           </a:p>
@@ -914,9 +914,74 @@
           <a:bodyPr/>
           <a:lstStyle/>
           <a:p>
-            <a:r>
-              <a:rPr lang="en-US" dirty="0"/>
-              <a:t>- Run with </a:t>
+            <a:endParaRPr lang="en-US" dirty="0"/>
+          </a:p>
+        </p:txBody>
+      </p:sp>
+    </p:spTree>
+    <p:extLst>
+      <p:ext uri="{BB962C8B-B14F-4D97-AF65-F5344CB8AC3E}">
+        <p14:creationId xmlns:p14="http://schemas.microsoft.com/office/powerpoint/2010/main" val="1188067461"/>
+      </p:ext>
+    </p:extLst>
+  </p:cSld>
+  <p:clrMapOvr>
+    <a:masterClrMapping/>
+  </p:clrMapOvr>
+</p:notes>
+</file>
+
+<file path=ppt/notesSlides/notesSlide4.xml><?xml version="1.0" encoding="utf-8"?>
+<p:notes xmlns:a="http://schemas.openxmlformats.org/drawingml/2006/main" xmlns:r="http://schemas.openxmlformats.org/officeDocument/2006/relationships" xmlns:p="http://schemas.openxmlformats.org/presentationml/2006/main">
+  <p:cSld>
+    <p:spTree>
+      <p:nvGrpSpPr>
+        <p:cNvPr id="1" name=""/>
+        <p:cNvGrpSpPr/>
+        <p:nvPr/>
+      </p:nvGrpSpPr>
+      <p:grpSpPr>
+        <a:xfrm>
+          <a:off x="0" y="0"/>
+          <a:ext cx="0" cy="0"/>
+          <a:chOff x="0" y="0"/>
+          <a:chExt cx="0" cy="0"/>
+        </a:xfrm>
+      </p:grpSpPr>
+      <p:sp>
+        <p:nvSpPr>
+          <p:cNvPr id="2" name="Slide Image Placeholder 1"/>
+          <p:cNvSpPr>
+            <a:spLocks noGrp="1" noRot="1" noChangeAspect="1"/>
+          </p:cNvSpPr>
+          <p:nvPr>
+            <p:ph type="sldImg"/>
+          </p:nvPr>
+        </p:nvSpPr>
+        <p:spPr/>
+      </p:sp>
+      <p:sp>
+        <p:nvSpPr>
+          <p:cNvPr id="3" name="Notes Placeholder 2"/>
+          <p:cNvSpPr>
+            <a:spLocks noGrp="1"/>
+          </p:cNvSpPr>
+          <p:nvPr>
+            <p:ph type="body" idx="1"/>
+          </p:nvPr>
+        </p:nvSpPr>
+        <p:spPr/>
+        <p:txBody>
+          <a:bodyPr/>
+          <a:lstStyle/>
+          <a:p>
+            <a:pPr marL="171450" indent="-171450">
+              <a:buFontTx/>
+              <a:buChar char="-"/>
+            </a:pPr>
+            <a:r>
+              <a:rPr lang="en-US" dirty="0"/>
+              <a:t>Run with </a:t>
             </a:r>
             <a:r>
               <a:rPr lang="en-US" dirty="0" err="1"/>
@@ -925,6 +990,20 @@
             <a:r>
               <a:rPr lang="en-US" dirty="0"/>
               <a:t>-cli to verify</a:t>
+            </a:r>
+          </a:p>
+          <a:p>
+            <a:pPr marL="171450" indent="-171450">
+              <a:buFontTx/>
+              <a:buChar char="-"/>
+            </a:pPr>
+            <a:r>
+              <a:rPr lang="en-US" dirty="0" err="1"/>
+              <a:t>redis</a:t>
+            </a:r>
+            <a:r>
+              <a:rPr lang="en-US" dirty="0"/>
+              <a:t>-cli KEYS '*'</a:t>
             </a:r>
           </a:p>
         </p:txBody>
@@ -1126,7 +1205,7 @@
               <a:pPr>
                 <a:defRPr/>
               </a:pPr>
-              <a:t>Thursday, October 2, 2025</a:t>
+              <a:t>Friday, October 3, 2025</a:t>
             </a:fld>
             <a:endParaRPr lang="en-US" dirty="0"/>
           </a:p>
@@ -1340,7 +1419,7 @@
               <a:pPr>
                 <a:defRPr/>
               </a:pPr>
-              <a:t>Thursday, October 2, 2025</a:t>
+              <a:t>Friday, October 3, 2025</a:t>
             </a:fld>
             <a:endParaRPr lang="en-US" dirty="0"/>
           </a:p>
@@ -1755,7 +1834,7 @@
               <a:pPr>
                 <a:defRPr/>
               </a:pPr>
-              <a:t>Thursday, October 2, 2025</a:t>
+              <a:t>Friday, October 3, 2025</a:t>
             </a:fld>
             <a:endParaRPr lang="en-US" dirty="0"/>
           </a:p>
@@ -2115,7 +2194,7 @@
               <a:pPr>
                 <a:defRPr/>
               </a:pPr>
-              <a:t>Thursday, October 2, 2025</a:t>
+              <a:t>Friday, October 3, 2025</a:t>
             </a:fld>
             <a:endParaRPr lang="en-US" dirty="0"/>
           </a:p>
@@ -2393,7 +2472,7 @@
               <a:pPr>
                 <a:defRPr/>
               </a:pPr>
-              <a:t>Thursday, October 2, 2025</a:t>
+              <a:t>Friday, October 3, 2025</a:t>
             </a:fld>
             <a:endParaRPr lang="en-US" dirty="0"/>
           </a:p>
@@ -2677,7 +2756,7 @@
               <a:pPr>
                 <a:defRPr/>
               </a:pPr>
-              <a:t>Thursday, October 2, 2025</a:t>
+              <a:t>Friday, October 3, 2025</a:t>
             </a:fld>
             <a:endParaRPr lang="en-US" dirty="0"/>
           </a:p>
@@ -3230,7 +3309,7 @@
               <a:pPr>
                 <a:defRPr/>
               </a:pPr>
-              <a:t>Thursday, October 2, 2025</a:t>
+              <a:t>Friday, October 3, 2025</a:t>
             </a:fld>
             <a:endParaRPr lang="en-US" dirty="0"/>
           </a:p>
@@ -4037,6 +4116,17 @@
             </a:r>
           </a:p>
           <a:p>
+            <a:r>
+              <a:rPr lang="en-US" dirty="0"/>
+              <a:t>Assignment handout </a:t>
+            </a:r>
+            <a:r>
+              <a:rPr lang="en-US"/>
+              <a:t>updated slightly</a:t>
+            </a:r>
+            <a:endParaRPr lang="en-US" dirty="0"/>
+          </a:p>
+          <a:p>
             <a:pPr marL="0" indent="0">
               <a:buNone/>
             </a:pPr>
@@ -4132,6 +4222,12 @@
             <a:r>
               <a:rPr lang="en-US" dirty="0"/>
               <a:t>Complete HW1 discussion</a:t>
+            </a:r>
+          </a:p>
+          <a:p>
+            <a:r>
+              <a:rPr lang="en-US" dirty="0"/>
+              <a:t>Maven build system</a:t>
             </a:r>
           </a:p>
           <a:p>
@@ -5438,7 +5534,7 @@
           <a:p>
             <a:r>
               <a:rPr lang="en-US" dirty="0">
-                <a:hlinkClick r:id="rId2"/>
+                <a:hlinkClick r:id="rId3"/>
               </a:rPr>
               <a:t>https://redis.io/docs/latest/commands/</a:t>
             </a:r>
